--- a/disciplinas/PGM522_Analise_de_Experimentos_em_Genetica_e_Melhoramento_de_Plantas/normas_da_disciplina/Disciplina.pptx
+++ b/disciplinas/PGM522_Analise_de_Experimentos_em_Genetica_e_Melhoramento_de_Plantas/normas_da_disciplina/Disciplina.pptx
@@ -8,7 +8,7 @@
     <p:notesMasterId r:id="rId8"/>
   </p:notesMasterIdLst>
   <p:sldIdLst>
-    <p:sldId id="349" r:id="rId2"/>
+    <p:sldId id="358" r:id="rId2"/>
     <p:sldId id="353" r:id="rId3"/>
     <p:sldId id="357" r:id="rId4"/>
     <p:sldId id="354" r:id="rId5"/>
@@ -555,7 +555,7 @@
     </p:spTree>
     <p:extLst>
       <p:ext uri="{BB962C8B-B14F-4D97-AF65-F5344CB8AC3E}">
-        <p14:creationId xmlns:p14="http://schemas.microsoft.com/office/powerpoint/2010/main" val="4237685750"/>
+        <p14:creationId xmlns:p14="http://schemas.microsoft.com/office/powerpoint/2010/main" val="1886102398"/>
       </p:ext>
     </p:extLst>
   </p:cSld>
@@ -3884,7 +3884,7 @@
         <p:spPr>
           <a:xfrm>
             <a:off x="1973139" y="2174966"/>
-            <a:ext cx="8633730" cy="2481943"/>
+            <a:ext cx="8633730" cy="2989887"/>
           </a:xfrm>
           <a:prstGeom prst="rect">
             <a:avLst/>
@@ -3908,7 +3908,7 @@
         </p:style>
         <p:txBody>
           <a:bodyPr vert="horz" lIns="91440" tIns="45720" rIns="91440" bIns="45720" rtlCol="0" anchor="b">
-            <a:normAutofit fontScale="92500" lnSpcReduction="20000"/>
+            <a:normAutofit fontScale="85000" lnSpcReduction="20000"/>
           </a:bodyPr>
           <a:lstStyle>
             <a:lvl1pPr algn="ctr" defTabSz="914400" rtl="0" eaLnBrk="1" latinLnBrk="0" hangingPunct="1">
@@ -3957,7 +3957,34 @@
             </a:endParaRPr>
           </a:p>
           <a:p>
-            <a:pPr algn="r">
+            <a:pPr>
+              <a:lnSpc>
+                <a:spcPct val="100000"/>
+              </a:lnSpc>
+            </a:pPr>
+            <a:r>
+              <a:rPr lang="pt-BR" sz="3600" b="1" dirty="0" smtClean="0">
+                <a:solidFill>
+                  <a:schemeClr val="bg1"/>
+                </a:solidFill>
+              </a:rPr>
+              <a:t>Normas da Disciplina</a:t>
+            </a:r>
+          </a:p>
+          <a:p>
+            <a:pPr>
+              <a:lnSpc>
+                <a:spcPct val="100000"/>
+              </a:lnSpc>
+            </a:pPr>
+            <a:endParaRPr lang="pt-BR" sz="3600" b="1" dirty="0" smtClean="0">
+              <a:solidFill>
+                <a:schemeClr val="bg1"/>
+              </a:solidFill>
+            </a:endParaRPr>
+          </a:p>
+          <a:p>
+            <a:pPr>
               <a:lnSpc>
                 <a:spcPct val="115000"/>
               </a:lnSpc>
@@ -3972,7 +3999,7 @@
             </a:r>
           </a:p>
           <a:p>
-            <a:pPr algn="r">
+            <a:pPr>
               <a:lnSpc>
                 <a:spcPct val="115000"/>
               </a:lnSpc>
@@ -4240,7 +4267,7 @@
     </p:spTree>
     <p:extLst>
       <p:ext uri="{BB962C8B-B14F-4D97-AF65-F5344CB8AC3E}">
-        <p14:creationId xmlns:p14="http://schemas.microsoft.com/office/powerpoint/2010/main" val="866556765"/>
+        <p14:creationId xmlns:p14="http://schemas.microsoft.com/office/powerpoint/2010/main" val="4288853601"/>
       </p:ext>
     </p:extLst>
   </p:cSld>
@@ -4697,7 +4724,7 @@
           <p:nvPr>
             <p:extLst>
               <p:ext uri="{D42A27DB-BD31-4B8C-83A1-F6EECF244321}">
-                <p14:modId xmlns:p14="http://schemas.microsoft.com/office/powerpoint/2010/main" val="211150420"/>
+                <p14:modId xmlns:p14="http://schemas.microsoft.com/office/powerpoint/2010/main" val="261256795"/>
               </p:ext>
             </p:extLst>
           </p:nvPr>
@@ -4807,7 +4834,19 @@
                           <a:ea typeface="+mn-ea"/>
                           <a:cs typeface="+mn-cs"/>
                         </a:rPr>
-                        <a:t>Primeiro Semana - 19 a 23/08</a:t>
+                        <a:t>Primeira </a:t>
+                      </a:r>
+                      <a:r>
+                        <a:rPr lang="pt-BR" sz="2000" b="1" u="none" strike="noStrike" kern="1200" dirty="0" smtClean="0">
+                          <a:solidFill>
+                            <a:schemeClr val="dk1"/>
+                          </a:solidFill>
+                          <a:effectLst/>
+                          <a:latin typeface="+mn-lt"/>
+                          <a:ea typeface="+mn-ea"/>
+                          <a:cs typeface="+mn-cs"/>
+                        </a:rPr>
+                        <a:t>Semana - 19 a 23/08</a:t>
                       </a:r>
                       <a:endParaRPr lang="pt-BR" sz="2000" b="1" u="none" strike="noStrike" kern="1200" dirty="0">
                         <a:solidFill>

--- a/disciplinas/PGM522_Analise_de_Experimentos_em_Genetica_e_Melhoramento_de_Plantas/normas_da_disciplina/Disciplina.pptx
+++ b/disciplinas/PGM522_Analise_de_Experimentos_em_Genetica_e_Melhoramento_de_Plantas/normas_da_disciplina/Disciplina.pptx
@@ -5,15 +5,16 @@
     <p:sldMasterId id="2147483672" r:id="rId1"/>
   </p:sldMasterIdLst>
   <p:notesMasterIdLst>
-    <p:notesMasterId r:id="rId8"/>
+    <p:notesMasterId r:id="rId9"/>
   </p:notesMasterIdLst>
   <p:sldIdLst>
     <p:sldId id="358" r:id="rId2"/>
     <p:sldId id="353" r:id="rId3"/>
-    <p:sldId id="357" r:id="rId4"/>
-    <p:sldId id="354" r:id="rId5"/>
-    <p:sldId id="352" r:id="rId6"/>
-    <p:sldId id="355" r:id="rId7"/>
+    <p:sldId id="359" r:id="rId4"/>
+    <p:sldId id="357" r:id="rId5"/>
+    <p:sldId id="354" r:id="rId6"/>
+    <p:sldId id="352" r:id="rId7"/>
+    <p:sldId id="355" r:id="rId8"/>
   </p:sldIdLst>
   <p:sldSz cx="12192000" cy="6858000"/>
   <p:notesSz cx="6858000" cy="9144000"/>
@@ -4696,6 +4697,154 @@
             <p:ph type="title"/>
           </p:nvPr>
         </p:nvSpPr>
+        <p:spPr/>
+        <p:txBody>
+          <a:bodyPr/>
+          <a:lstStyle/>
+          <a:p>
+            <a:pPr algn="ctr"/>
+            <a:r>
+              <a:rPr lang="pt-BR" dirty="0" smtClean="0"/>
+              <a:t>Material Didático</a:t>
+            </a:r>
+            <a:endParaRPr lang="pt-BR" dirty="0"/>
+          </a:p>
+        </p:txBody>
+      </p:sp>
+      <p:sp>
+        <p:nvSpPr>
+          <p:cNvPr id="3" name="Espaço Reservado para Conteúdo 2"/>
+          <p:cNvSpPr>
+            <a:spLocks noGrp="1"/>
+          </p:cNvSpPr>
+          <p:nvPr>
+            <p:ph idx="1"/>
+          </p:nvPr>
+        </p:nvSpPr>
+        <p:spPr>
+          <a:xfrm>
+            <a:off x="838199" y="1825625"/>
+            <a:ext cx="10731518" cy="4351338"/>
+          </a:xfrm>
+        </p:spPr>
+        <p:txBody>
+          <a:bodyPr/>
+          <a:lstStyle/>
+          <a:p>
+            <a:r>
+              <a:rPr lang="pt-BR" dirty="0" smtClean="0"/>
+              <a:t>Campus Virtual</a:t>
+            </a:r>
+          </a:p>
+          <a:p>
+            <a:pPr algn="just"/>
+            <a:endParaRPr lang="pt-BR" sz="2000" dirty="0" smtClean="0">
+              <a:hlinkClick r:id="rId2"/>
+            </a:endParaRPr>
+          </a:p>
+          <a:p>
+            <a:pPr algn="just"/>
+            <a:endParaRPr lang="pt-BR" sz="2000" dirty="0">
+              <a:hlinkClick r:id="rId2"/>
+            </a:endParaRPr>
+          </a:p>
+          <a:p>
+            <a:pPr algn="just"/>
+            <a:r>
+              <a:rPr lang="pt-BR" sz="2400" dirty="0" smtClean="0">
+                <a:hlinkClick r:id="rId2"/>
+              </a:rPr>
+              <a:t>https</a:t>
+            </a:r>
+            <a:r>
+              <a:rPr lang="pt-BR" sz="2400" dirty="0">
+                <a:hlinkClick r:id="rId2"/>
+              </a:rPr>
+              <a:t>://github.com/VQCarneiro/Ciencia-de-Dados-Aplicada-ao-Melhoramento-de-Plantas/tree/master/disciplinas/PGM522_Analise_de_Experimentos_em_Genetica_e_Melhoramento_de_Plantas</a:t>
+            </a:r>
+            <a:endParaRPr lang="pt-BR" sz="2400" dirty="0"/>
+          </a:p>
+        </p:txBody>
+      </p:sp>
+      <p:pic>
+        <p:nvPicPr>
+          <p:cNvPr id="5" name="Picture 2" descr="Resultado de imagem para github"/>
+          <p:cNvPicPr>
+            <a:picLocks noChangeAspect="1" noChangeArrowheads="1"/>
+          </p:cNvPicPr>
+          <p:nvPr/>
+        </p:nvPicPr>
+        <p:blipFill rotWithShape="1">
+          <a:blip r:embed="rId3">
+            <a:extLst>
+              <a:ext uri="{28A0092B-C50C-407E-A947-70E740481C1C}">
+                <a14:useLocalDpi xmlns:a14="http://schemas.microsoft.com/office/drawing/2010/main" val="0"/>
+              </a:ext>
+            </a:extLst>
+          </a:blip>
+          <a:srcRect l="27652" r="27196"/>
+          <a:stretch/>
+        </p:blipFill>
+        <p:spPr bwMode="auto">
+          <a:xfrm>
+            <a:off x="5936619" y="4001294"/>
+            <a:ext cx="1434724" cy="1828800"/>
+          </a:xfrm>
+          <a:prstGeom prst="rect">
+            <a:avLst/>
+          </a:prstGeom>
+          <a:noFill/>
+          <a:extLst>
+            <a:ext uri="{909E8E84-426E-40DD-AFC4-6F175D3DCCD1}">
+              <a14:hiddenFill xmlns:a14="http://schemas.microsoft.com/office/drawing/2010/main">
+                <a:solidFill>
+                  <a:srgbClr val="FFFFFF"/>
+                </a:solidFill>
+              </a14:hiddenFill>
+            </a:ext>
+          </a:extLst>
+        </p:spPr>
+      </p:pic>
+    </p:spTree>
+    <p:extLst>
+      <p:ext uri="{BB962C8B-B14F-4D97-AF65-F5344CB8AC3E}">
+        <p14:creationId xmlns:p14="http://schemas.microsoft.com/office/powerpoint/2010/main" val="3160935274"/>
+      </p:ext>
+    </p:extLst>
+  </p:cSld>
+  <p:clrMapOvr>
+    <a:masterClrMapping/>
+  </p:clrMapOvr>
+</p:sld>
+</file>
+
+<file path=ppt/slides/slide4.xml><?xml version="1.0" encoding="utf-8"?>
+<p:sld xmlns:a="http://schemas.openxmlformats.org/drawingml/2006/main" xmlns:r="http://schemas.openxmlformats.org/officeDocument/2006/relationships" xmlns:p="http://schemas.openxmlformats.org/presentationml/2006/main">
+  <p:cSld>
+    <p:spTree>
+      <p:nvGrpSpPr>
+        <p:cNvPr id="1" name=""/>
+        <p:cNvGrpSpPr/>
+        <p:nvPr/>
+      </p:nvGrpSpPr>
+      <p:grpSpPr>
+        <a:xfrm>
+          <a:off x="0" y="0"/>
+          <a:ext cx="0" cy="0"/>
+          <a:chOff x="0" y="0"/>
+          <a:chExt cx="0" cy="0"/>
+        </a:xfrm>
+      </p:grpSpPr>
+      <p:sp>
+        <p:nvSpPr>
+          <p:cNvPr id="2" name="Título 1"/>
+          <p:cNvSpPr>
+            <a:spLocks noGrp="1"/>
+          </p:cNvSpPr>
+          <p:nvPr>
+            <p:ph type="title"/>
+          </p:nvPr>
+        </p:nvSpPr>
         <p:spPr>
           <a:xfrm>
             <a:off x="798871" y="188141"/>
@@ -4834,19 +4983,7 @@
                           <a:ea typeface="+mn-ea"/>
                           <a:cs typeface="+mn-cs"/>
                         </a:rPr>
-                        <a:t>Primeira </a:t>
-                      </a:r>
-                      <a:r>
-                        <a:rPr lang="pt-BR" sz="2000" b="1" u="none" strike="noStrike" kern="1200" dirty="0" smtClean="0">
-                          <a:solidFill>
-                            <a:schemeClr val="dk1"/>
-                          </a:solidFill>
-                          <a:effectLst/>
-                          <a:latin typeface="+mn-lt"/>
-                          <a:ea typeface="+mn-ea"/>
-                          <a:cs typeface="+mn-cs"/>
-                        </a:rPr>
-                        <a:t>Semana - 19 a 23/08</a:t>
+                        <a:t>Primeira Semana - 19 a 23/08</a:t>
                       </a:r>
                       <a:endParaRPr lang="pt-BR" sz="2000" b="1" u="none" strike="noStrike" kern="1200" dirty="0">
                         <a:solidFill>
@@ -6366,7 +6503,7 @@
 </p:sld>
 </file>
 
-<file path=ppt/slides/slide4.xml><?xml version="1.0" encoding="utf-8"?>
+<file path=ppt/slides/slide5.xml><?xml version="1.0" encoding="utf-8"?>
 <p:sld xmlns:a="http://schemas.openxmlformats.org/drawingml/2006/main" xmlns:r="http://schemas.openxmlformats.org/officeDocument/2006/relationships" xmlns:p="http://schemas.openxmlformats.org/presentationml/2006/main">
   <p:cSld>
     <p:spTree>
@@ -6535,7 +6672,7 @@
 </p:sld>
 </file>
 
-<file path=ppt/slides/slide5.xml><?xml version="1.0" encoding="utf-8"?>
+<file path=ppt/slides/slide6.xml><?xml version="1.0" encoding="utf-8"?>
 <p:sld xmlns:a="http://schemas.openxmlformats.org/drawingml/2006/main" xmlns:r="http://schemas.openxmlformats.org/officeDocument/2006/relationships" xmlns:p="http://schemas.openxmlformats.org/presentationml/2006/main">
   <p:cSld>
     <p:spTree>
@@ -6832,7 +6969,7 @@
 </p:sld>
 </file>
 
-<file path=ppt/slides/slide6.xml><?xml version="1.0" encoding="utf-8"?>
+<file path=ppt/slides/slide7.xml><?xml version="1.0" encoding="utf-8"?>
 <p:sld xmlns:a="http://schemas.openxmlformats.org/drawingml/2006/main" xmlns:r="http://schemas.openxmlformats.org/officeDocument/2006/relationships" xmlns:p="http://schemas.openxmlformats.org/presentationml/2006/main">
   <p:cSld>
     <p:spTree>
